--- a/Esquema de ficheros PyWMM.pptx
+++ b/Esquema de ficheros PyWMM.pptx
@@ -105,6 +105,11 @@
       </a:defRPr>
     </a:lvl9pPr>
   </p:defaultTextStyle>
+  <p:extLst>
+    <p:ext uri="{EFAFB233-063F-42B5-8137-9DF3F51BA10A}">
+      <p15:sldGuideLst xmlns:p15="http://schemas.microsoft.com/office/powerpoint/2012/main"/>
+    </p:ext>
+  </p:extLst>
 </p:presentation>
 </file>
 
@@ -239,7 +244,7 @@
           <a:p>
             <a:fld id="{DB67275B-D526-4158-93CE-2228A2A939A2}" type="datetimeFigureOut">
               <a:rPr lang="es-ES" smtClean="0"/>
-              <a:t>07/06/2022</a:t>
+              <a:t>20/06/2022</a:t>
             </a:fld>
             <a:endParaRPr lang="es-ES"/>
           </a:p>
@@ -409,7 +414,7 @@
           <a:p>
             <a:fld id="{DB67275B-D526-4158-93CE-2228A2A939A2}" type="datetimeFigureOut">
               <a:rPr lang="es-ES" smtClean="0"/>
-              <a:t>07/06/2022</a:t>
+              <a:t>20/06/2022</a:t>
             </a:fld>
             <a:endParaRPr lang="es-ES"/>
           </a:p>
@@ -589,7 +594,7 @@
           <a:p>
             <a:fld id="{DB67275B-D526-4158-93CE-2228A2A939A2}" type="datetimeFigureOut">
               <a:rPr lang="es-ES" smtClean="0"/>
-              <a:t>07/06/2022</a:t>
+              <a:t>20/06/2022</a:t>
             </a:fld>
             <a:endParaRPr lang="es-ES"/>
           </a:p>
@@ -759,7 +764,7 @@
           <a:p>
             <a:fld id="{DB67275B-D526-4158-93CE-2228A2A939A2}" type="datetimeFigureOut">
               <a:rPr lang="es-ES" smtClean="0"/>
-              <a:t>07/06/2022</a:t>
+              <a:t>20/06/2022</a:t>
             </a:fld>
             <a:endParaRPr lang="es-ES"/>
           </a:p>
@@ -1005,7 +1010,7 @@
           <a:p>
             <a:fld id="{DB67275B-D526-4158-93CE-2228A2A939A2}" type="datetimeFigureOut">
               <a:rPr lang="es-ES" smtClean="0"/>
-              <a:t>07/06/2022</a:t>
+              <a:t>20/06/2022</a:t>
             </a:fld>
             <a:endParaRPr lang="es-ES"/>
           </a:p>
@@ -1237,7 +1242,7 @@
           <a:p>
             <a:fld id="{DB67275B-D526-4158-93CE-2228A2A939A2}" type="datetimeFigureOut">
               <a:rPr lang="es-ES" smtClean="0"/>
-              <a:t>07/06/2022</a:t>
+              <a:t>20/06/2022</a:t>
             </a:fld>
             <a:endParaRPr lang="es-ES"/>
           </a:p>
@@ -1604,7 +1609,7 @@
           <a:p>
             <a:fld id="{DB67275B-D526-4158-93CE-2228A2A939A2}" type="datetimeFigureOut">
               <a:rPr lang="es-ES" smtClean="0"/>
-              <a:t>07/06/2022</a:t>
+              <a:t>20/06/2022</a:t>
             </a:fld>
             <a:endParaRPr lang="es-ES"/>
           </a:p>
@@ -1722,7 +1727,7 @@
           <a:p>
             <a:fld id="{DB67275B-D526-4158-93CE-2228A2A939A2}" type="datetimeFigureOut">
               <a:rPr lang="es-ES" smtClean="0"/>
-              <a:t>07/06/2022</a:t>
+              <a:t>20/06/2022</a:t>
             </a:fld>
             <a:endParaRPr lang="es-ES"/>
           </a:p>
@@ -1817,7 +1822,7 @@
           <a:p>
             <a:fld id="{DB67275B-D526-4158-93CE-2228A2A939A2}" type="datetimeFigureOut">
               <a:rPr lang="es-ES" smtClean="0"/>
-              <a:t>07/06/2022</a:t>
+              <a:t>20/06/2022</a:t>
             </a:fld>
             <a:endParaRPr lang="es-ES"/>
           </a:p>
@@ -2094,7 +2099,7 @@
           <a:p>
             <a:fld id="{DB67275B-D526-4158-93CE-2228A2A939A2}" type="datetimeFigureOut">
               <a:rPr lang="es-ES" smtClean="0"/>
-              <a:t>07/06/2022</a:t>
+              <a:t>20/06/2022</a:t>
             </a:fld>
             <a:endParaRPr lang="es-ES"/>
           </a:p>
@@ -2347,7 +2352,7 @@
           <a:p>
             <a:fld id="{DB67275B-D526-4158-93CE-2228A2A939A2}" type="datetimeFigureOut">
               <a:rPr lang="es-ES" smtClean="0"/>
-              <a:t>07/06/2022</a:t>
+              <a:t>20/06/2022</a:t>
             </a:fld>
             <a:endParaRPr lang="es-ES"/>
           </a:p>
@@ -2560,7 +2565,7 @@
           <a:p>
             <a:fld id="{DB67275B-D526-4158-93CE-2228A2A939A2}" type="datetimeFigureOut">
               <a:rPr lang="es-ES" smtClean="0"/>
-              <a:t>07/06/2022</a:t>
+              <a:t>20/06/2022</a:t>
             </a:fld>
             <a:endParaRPr lang="es-ES"/>
           </a:p>
@@ -3383,11 +3388,7 @@
             </a:pPr>
             <a:r>
               <a:rPr lang="es-ES" sz="1400" dirty="0" err="1" smtClean="0"/>
-              <a:t>Roxie_vs_MM_vs_Shim</a:t>
-            </a:r>
-            <a:r>
-              <a:rPr lang="es-ES" sz="1400" dirty="0" err="1" smtClean="0"/>
-              <a:t>_MiddlePoint</a:t>
+              <a:t>Roxie_vs_MM_vs_Shim_MiddlePoint</a:t>
             </a:r>
             <a:r>
               <a:rPr lang="es-ES" sz="1400" dirty="0" smtClean="0"/>
@@ -3424,7 +3425,6 @@
               <a:rPr lang="es-ES" sz="1400" dirty="0" smtClean="0"/>
               <a:t>Summary.xlsx</a:t>
             </a:r>
-            <a:endParaRPr lang="es-ES" sz="1400" dirty="0" smtClean="0"/>
           </a:p>
           <a:p>
             <a:pPr marL="285750" indent="-285750">
@@ -3855,7 +3855,7 @@
         </p:blipFill>
         <p:spPr>
           <a:xfrm>
-            <a:off x="1957508" y="1186574"/>
+            <a:off x="2083342" y="2109363"/>
             <a:ext cx="497545" cy="440760"/>
           </a:xfrm>
           <a:prstGeom prst="rect">
@@ -3871,7 +3871,7 @@
         </p:nvSpPr>
         <p:spPr>
           <a:xfrm>
-            <a:off x="2455053" y="1222288"/>
+            <a:off x="2580887" y="2145077"/>
             <a:ext cx="1112292" cy="369332"/>
           </a:xfrm>
           <a:prstGeom prst="rect">
@@ -3916,7 +3916,7 @@
         </p:blipFill>
         <p:spPr>
           <a:xfrm>
-            <a:off x="2673345" y="1796296"/>
+            <a:off x="2799179" y="2719085"/>
             <a:ext cx="497545" cy="440760"/>
           </a:xfrm>
           <a:prstGeom prst="rect">
@@ -3932,7 +3932,7 @@
         </p:nvSpPr>
         <p:spPr>
           <a:xfrm>
-            <a:off x="3170890" y="1832010"/>
+            <a:off x="3296724" y="2754799"/>
             <a:ext cx="852285" cy="369332"/>
           </a:xfrm>
           <a:prstGeom prst="rect">
@@ -3969,7 +3969,7 @@
         </p:blipFill>
         <p:spPr>
           <a:xfrm>
-            <a:off x="2659290" y="3640690"/>
+            <a:off x="2785124" y="4563479"/>
             <a:ext cx="497545" cy="440760"/>
           </a:xfrm>
           <a:prstGeom prst="rect">
@@ -3985,8 +3985,8 @@
         </p:nvSpPr>
         <p:spPr>
           <a:xfrm>
-            <a:off x="3156835" y="3684862"/>
-            <a:ext cx="1117614" cy="369332"/>
+            <a:off x="3282669" y="4607651"/>
+            <a:ext cx="1738361" cy="369332"/>
           </a:xfrm>
           <a:prstGeom prst="rect">
             <a:avLst/>
@@ -4000,7 +4000,7 @@
           <a:p>
             <a:r>
               <a:rPr lang="es-ES" dirty="0" err="1" smtClean="0"/>
-              <a:t>Shimming</a:t>
+              <a:t>Shimming_Roxie</a:t>
             </a:r>
             <a:endParaRPr lang="es-ES" dirty="0"/>
           </a:p>
@@ -4014,7 +4014,7 @@
         </p:nvSpPr>
         <p:spPr>
           <a:xfrm>
-            <a:off x="2995774" y="2245038"/>
+            <a:off x="3121608" y="3167827"/>
             <a:ext cx="1258743" cy="1169551"/>
           </a:xfrm>
           <a:prstGeom prst="rect">
@@ -4089,7 +4089,7 @@
         </p:nvSpPr>
         <p:spPr>
           <a:xfrm>
-            <a:off x="3050358" y="4351723"/>
+            <a:off x="3176192" y="5274512"/>
             <a:ext cx="1742785" cy="523220"/>
           </a:xfrm>
           <a:prstGeom prst="rect">
@@ -4141,7 +4141,7 @@
         </p:blipFill>
         <p:spPr>
           <a:xfrm>
-            <a:off x="6126736" y="1222288"/>
+            <a:off x="6252570" y="2145077"/>
             <a:ext cx="497545" cy="440760"/>
           </a:xfrm>
           <a:prstGeom prst="rect">
@@ -4157,7 +4157,7 @@
         </p:nvSpPr>
         <p:spPr>
           <a:xfrm>
-            <a:off x="6624281" y="1258002"/>
+            <a:off x="6750115" y="2180791"/>
             <a:ext cx="1323504" cy="369332"/>
           </a:xfrm>
           <a:prstGeom prst="rect">
@@ -4198,7 +4198,7 @@
         </p:blipFill>
         <p:spPr>
           <a:xfrm>
-            <a:off x="6842573" y="1832010"/>
+            <a:off x="6968407" y="2754799"/>
             <a:ext cx="497545" cy="440760"/>
           </a:xfrm>
           <a:prstGeom prst="rect">
@@ -4214,7 +4214,7 @@
         </p:nvSpPr>
         <p:spPr>
           <a:xfrm>
-            <a:off x="7340118" y="1867724"/>
+            <a:off x="7465952" y="2790513"/>
             <a:ext cx="852285" cy="369332"/>
           </a:xfrm>
           <a:prstGeom prst="rect">
@@ -4251,7 +4251,7 @@
         </p:blipFill>
         <p:spPr>
           <a:xfrm>
-            <a:off x="6828518" y="3676404"/>
+            <a:off x="6954352" y="4599193"/>
             <a:ext cx="497545" cy="440760"/>
           </a:xfrm>
           <a:prstGeom prst="rect">
@@ -4267,8 +4267,8 @@
         </p:nvSpPr>
         <p:spPr>
           <a:xfrm>
-            <a:off x="7326063" y="3720576"/>
-            <a:ext cx="1117614" cy="369332"/>
+            <a:off x="7451897" y="4643365"/>
+            <a:ext cx="1738361" cy="369332"/>
           </a:xfrm>
           <a:prstGeom prst="rect">
             <a:avLst/>
@@ -4282,7 +4282,7 @@
           <a:p>
             <a:r>
               <a:rPr lang="es-ES" dirty="0" err="1" smtClean="0"/>
-              <a:t>Shimming</a:t>
+              <a:t>Shimming_Roxie</a:t>
             </a:r>
             <a:endParaRPr lang="es-ES" dirty="0"/>
           </a:p>
@@ -4296,7 +4296,7 @@
         </p:nvSpPr>
         <p:spPr>
           <a:xfrm>
-            <a:off x="7165002" y="2280752"/>
+            <a:off x="7290836" y="3203541"/>
             <a:ext cx="1258743" cy="1169551"/>
           </a:xfrm>
           <a:prstGeom prst="rect">
@@ -4371,7 +4371,7 @@
         </p:nvSpPr>
         <p:spPr>
           <a:xfrm>
-            <a:off x="7219586" y="4387437"/>
+            <a:off x="7345420" y="5310226"/>
             <a:ext cx="1742785" cy="523220"/>
           </a:xfrm>
           <a:prstGeom prst="rect">
@@ -4411,22 +4411,114 @@
         <p:nvCxnSpPr>
           <p:cNvPr id="3" name="Conector angular 2"/>
           <p:cNvCxnSpPr>
-            <a:stCxn id="28" idx="2"/>
-            <a:endCxn id="30" idx="0"/>
+            <a:stCxn id="7" idx="2"/>
+            <a:endCxn id="29" idx="0"/>
           </p:cNvCxnSpPr>
           <p:nvPr/>
         </p:nvCxnSpPr>
         <p:spPr>
           <a:xfrm rot="5400000" flipH="1" flipV="1">
-            <a:off x="3795421" y="1384332"/>
-            <a:ext cx="3616941" cy="3364282"/>
+            <a:off x="4214206" y="262986"/>
+            <a:ext cx="405046" cy="4169228"/>
           </a:xfrm>
           <a:prstGeom prst="bentConnector5">
             <a:avLst>
-              <a:gd name="adj1" fmla="val -6320"/>
-              <a:gd name="adj2" fmla="val 53116"/>
-              <a:gd name="adj3" fmla="val 106320"/>
+              <a:gd name="adj1" fmla="val -976016"/>
+              <a:gd name="adj2" fmla="val 69719"/>
+              <a:gd name="adj3" fmla="val 156438"/>
             </a:avLst>
+          </a:prstGeom>
+          <a:ln w="25400">
+            <a:solidFill>
+              <a:srgbClr val="FF0000"/>
+            </a:solidFill>
+            <a:prstDash val="dash"/>
+          </a:ln>
+        </p:spPr>
+        <p:style>
+          <a:lnRef idx="1">
+            <a:schemeClr val="accent1"/>
+          </a:lnRef>
+          <a:fillRef idx="0">
+            <a:schemeClr val="accent1"/>
+          </a:fillRef>
+          <a:effectRef idx="0">
+            <a:schemeClr val="accent1"/>
+          </a:effectRef>
+          <a:fontRef idx="minor">
+            <a:schemeClr val="tx1"/>
+          </a:fontRef>
+        </p:style>
+      </p:cxnSp>
+      <p:pic>
+        <p:nvPicPr>
+          <p:cNvPr id="37" name="Imagen 36"/>
+          <p:cNvPicPr>
+            <a:picLocks noChangeAspect="1"/>
+          </p:cNvPicPr>
+          <p:nvPr/>
+        </p:nvPicPr>
+        <p:blipFill>
+          <a:blip r:embed="rId2"/>
+          <a:stretch>
+            <a:fillRect/>
+          </a:stretch>
+        </p:blipFill>
+        <p:spPr>
+          <a:xfrm>
+            <a:off x="2084695" y="1306993"/>
+            <a:ext cx="497545" cy="440760"/>
+          </a:xfrm>
+          <a:prstGeom prst="rect">
+            <a:avLst/>
+          </a:prstGeom>
+        </p:spPr>
+      </p:pic>
+      <p:sp>
+        <p:nvSpPr>
+          <p:cNvPr id="38" name="Rectángulo 37"/>
+          <p:cNvSpPr/>
+          <p:nvPr/>
+        </p:nvSpPr>
+        <p:spPr>
+          <a:xfrm>
+            <a:off x="2565462" y="1342707"/>
+            <a:ext cx="1117614" cy="369332"/>
+          </a:xfrm>
+          <a:prstGeom prst="rect">
+            <a:avLst/>
+          </a:prstGeom>
+        </p:spPr>
+        <p:txBody>
+          <a:bodyPr wrap="none">
+            <a:spAutoFit/>
+          </a:bodyPr>
+          <a:lstStyle/>
+          <a:p>
+            <a:r>
+              <a:rPr lang="es-ES" dirty="0" err="1" smtClean="0"/>
+              <a:t>Shimming</a:t>
+            </a:r>
+            <a:endParaRPr lang="es-ES" dirty="0"/>
+          </a:p>
+        </p:txBody>
+      </p:sp>
+      <p:cxnSp>
+        <p:nvCxnSpPr>
+          <p:cNvPr id="15" name="Conector recto 14"/>
+          <p:cNvCxnSpPr>
+            <a:stCxn id="37" idx="2"/>
+            <a:endCxn id="7" idx="0"/>
+          </p:cNvCxnSpPr>
+          <p:nvPr/>
+        </p:nvCxnSpPr>
+        <p:spPr>
+          <a:xfrm flipH="1">
+            <a:off x="2332115" y="1747753"/>
+            <a:ext cx="1353" cy="361610"/>
+          </a:xfrm>
+          <a:prstGeom prst="line">
+            <a:avLst/>
           </a:prstGeom>
           <a:ln w="25400">
             <a:solidFill>
